--- a/Spring_Reactor.pptx
+++ b/Spring_Reactor.pptx
@@ -7,7 +7,11 @@
   <p:sldIdLst>
     <p:sldId id="256" r:id="rId2"/>
     <p:sldId id="257" r:id="rId3"/>
-    <p:sldId id="269" r:id="rId4"/>
+    <p:sldId id="270" r:id="rId4"/>
+    <p:sldId id="271" r:id="rId5"/>
+    <p:sldId id="272" r:id="rId6"/>
+    <p:sldId id="273" r:id="rId7"/>
+    <p:sldId id="269" r:id="rId8"/>
   </p:sldIdLst>
   <p:sldSz cx="9144000" cy="6858000" type="screen4x3"/>
   <p:notesSz cx="6858000" cy="9144000"/>
@@ -297,7 +301,7 @@
           <a:p>
             <a:fld id="{8F235549-BF0A-4B98-8561-3786244E808C}" type="datetimeFigureOut">
               <a:rPr lang="en-US" smtClean="0"/>
-              <a:t>2/6/2018</a:t>
+              <a:t>2/25/2018</a:t>
             </a:fld>
             <a:endParaRPr lang="en-US"/>
           </a:p>
@@ -497,7 +501,7 @@
           <a:p>
             <a:fld id="{8F235549-BF0A-4B98-8561-3786244E808C}" type="datetimeFigureOut">
               <a:rPr lang="en-US" smtClean="0"/>
-              <a:t>2/6/2018</a:t>
+              <a:t>2/25/2018</a:t>
             </a:fld>
             <a:endParaRPr lang="en-US"/>
           </a:p>
@@ -672,7 +676,7 @@
           <a:p>
             <a:fld id="{8F235549-BF0A-4B98-8561-3786244E808C}" type="datetimeFigureOut">
               <a:rPr lang="en-US" smtClean="0"/>
-              <a:t>2/6/2018</a:t>
+              <a:t>2/25/2018</a:t>
             </a:fld>
             <a:endParaRPr lang="en-US"/>
           </a:p>
@@ -837,7 +841,7 @@
           <a:p>
             <a:fld id="{8F235549-BF0A-4B98-8561-3786244E808C}" type="datetimeFigureOut">
               <a:rPr lang="en-US" smtClean="0"/>
-              <a:t>2/6/2018</a:t>
+              <a:t>2/25/2018</a:t>
             </a:fld>
             <a:endParaRPr lang="en-US"/>
           </a:p>
@@ -1085,7 +1089,7 @@
           <a:p>
             <a:fld id="{8F235549-BF0A-4B98-8561-3786244E808C}" type="datetimeFigureOut">
               <a:rPr lang="en-US" smtClean="0"/>
-              <a:t>2/6/2018</a:t>
+              <a:t>2/25/2018</a:t>
             </a:fld>
             <a:endParaRPr lang="en-US"/>
           </a:p>
@@ -1403,7 +1407,7 @@
           <a:p>
             <a:fld id="{8F235549-BF0A-4B98-8561-3786244E808C}" type="datetimeFigureOut">
               <a:rPr lang="en-US" smtClean="0"/>
-              <a:t>2/6/2018</a:t>
+              <a:t>2/25/2018</a:t>
             </a:fld>
             <a:endParaRPr lang="en-US"/>
           </a:p>
@@ -1869,7 +1873,7 @@
           <a:p>
             <a:fld id="{8F235549-BF0A-4B98-8561-3786244E808C}" type="datetimeFigureOut">
               <a:rPr lang="en-US" smtClean="0"/>
-              <a:t>2/6/2018</a:t>
+              <a:t>2/25/2018</a:t>
             </a:fld>
             <a:endParaRPr lang="en-US"/>
           </a:p>
@@ -2017,7 +2021,7 @@
           <a:p>
             <a:fld id="{8F235549-BF0A-4B98-8561-3786244E808C}" type="datetimeFigureOut">
               <a:rPr lang="en-US" smtClean="0"/>
-              <a:t>2/6/2018</a:t>
+              <a:t>2/25/2018</a:t>
             </a:fld>
             <a:endParaRPr lang="en-US"/>
           </a:p>
@@ -2107,7 +2111,7 @@
           <a:p>
             <a:fld id="{8F235549-BF0A-4B98-8561-3786244E808C}" type="datetimeFigureOut">
               <a:rPr lang="en-US" smtClean="0"/>
-              <a:t>2/6/2018</a:t>
+              <a:t>2/25/2018</a:t>
             </a:fld>
             <a:endParaRPr lang="en-US"/>
           </a:p>
@@ -2381,7 +2385,7 @@
           <a:p>
             <a:fld id="{8F235549-BF0A-4B98-8561-3786244E808C}" type="datetimeFigureOut">
               <a:rPr lang="en-US" smtClean="0"/>
-              <a:t>2/6/2018</a:t>
+              <a:t>2/25/2018</a:t>
             </a:fld>
             <a:endParaRPr lang="en-US"/>
           </a:p>
@@ -2686,7 +2690,7 @@
           <a:p>
             <a:fld id="{8F235549-BF0A-4B98-8561-3786244E808C}" type="datetimeFigureOut">
               <a:rPr lang="en-US" smtClean="0"/>
-              <a:t>2/6/2018</a:t>
+              <a:t>2/25/2018</a:t>
             </a:fld>
             <a:endParaRPr lang="en-US"/>
           </a:p>
@@ -2984,7 +2988,7 @@
           <a:p>
             <a:fld id="{8F235549-BF0A-4B98-8561-3786244E808C}" type="datetimeFigureOut">
               <a:rPr lang="en-US" smtClean="0"/>
-              <a:t>2/6/2018</a:t>
+              <a:t>2/25/2018</a:t>
             </a:fld>
             <a:endParaRPr lang="en-US"/>
           </a:p>
@@ -3640,6 +3644,1116 @@
           <a:p>
             <a:r>
               <a:rPr lang="en-US" dirty="0" smtClean="0"/>
+              <a:t>Reactor </a:t>
+            </a:r>
+            <a:r>
+              <a:rPr lang="en-US" dirty="0" smtClean="0"/>
+              <a:t>Systems</a:t>
+            </a:r>
+            <a:endParaRPr lang="en-US" dirty="0"/>
+          </a:p>
+        </p:txBody>
+      </p:sp>
+      <p:sp>
+        <p:nvSpPr>
+          <p:cNvPr id="3" name="Content Placeholder 2"/>
+          <p:cNvSpPr>
+            <a:spLocks noGrp="1"/>
+          </p:cNvSpPr>
+          <p:nvPr>
+            <p:ph idx="1"/>
+          </p:nvPr>
+        </p:nvSpPr>
+        <p:spPr/>
+        <p:txBody>
+          <a:bodyPr>
+            <a:normAutofit/>
+          </a:bodyPr>
+          <a:lstStyle/>
+          <a:p>
+            <a:r>
+              <a:rPr lang="en-GB" sz="1600" dirty="0" smtClean="0"/>
+              <a:t>Reactive Systems – is a </a:t>
+            </a:r>
+            <a:r>
+              <a:rPr lang="en-GB" sz="1600" b="1" dirty="0" smtClean="0">
+                <a:solidFill>
+                  <a:srgbClr val="FF0000"/>
+                </a:solidFill>
+              </a:rPr>
+              <a:t>message driven </a:t>
+            </a:r>
+            <a:r>
+              <a:rPr lang="en-GB" sz="1600" dirty="0" smtClean="0"/>
+              <a:t>based upon asynchronous message passing.</a:t>
+            </a:r>
+            <a:endParaRPr lang="en-GB" sz="1400" dirty="0"/>
+          </a:p>
+        </p:txBody>
+      </p:sp>
+    </p:spTree>
+    <p:extLst>
+      <p:ext uri="{BB962C8B-B14F-4D97-AF65-F5344CB8AC3E}">
+        <p14:creationId xmlns:p14="http://schemas.microsoft.com/office/powerpoint/2010/main" val="4056382316"/>
+      </p:ext>
+    </p:extLst>
+  </p:cSld>
+  <p:clrMapOvr>
+    <a:masterClrMapping/>
+  </p:clrMapOvr>
+  <p:timing>
+    <p:tnLst>
+      <p:par>
+        <p:cTn id="1" dur="indefinite" restart="never" nodeType="tmRoot"/>
+      </p:par>
+    </p:tnLst>
+  </p:timing>
+</p:sld>
+</file>
+
+<file path=ppt/slides/slide4.xml><?xml version="1.0" encoding="utf-8"?>
+<p:sld xmlns:a="http://schemas.openxmlformats.org/drawingml/2006/main" xmlns:r="http://schemas.openxmlformats.org/officeDocument/2006/relationships" xmlns:p="http://schemas.openxmlformats.org/presentationml/2006/main">
+  <p:cSld>
+    <p:spTree>
+      <p:nvGrpSpPr>
+        <p:cNvPr id="1" name=""/>
+        <p:cNvGrpSpPr/>
+        <p:nvPr/>
+      </p:nvGrpSpPr>
+      <p:grpSpPr>
+        <a:xfrm>
+          <a:off x="0" y="0"/>
+          <a:ext cx="0" cy="0"/>
+          <a:chOff x="0" y="0"/>
+          <a:chExt cx="0" cy="0"/>
+        </a:xfrm>
+      </p:grpSpPr>
+      <p:sp>
+        <p:nvSpPr>
+          <p:cNvPr id="2" name="Title 1"/>
+          <p:cNvSpPr>
+            <a:spLocks noGrp="1"/>
+          </p:cNvSpPr>
+          <p:nvPr>
+            <p:ph type="title"/>
+          </p:nvPr>
+        </p:nvSpPr>
+        <p:spPr/>
+        <p:txBody>
+          <a:bodyPr/>
+          <a:lstStyle/>
+          <a:p>
+            <a:r>
+              <a:rPr lang="en-US" dirty="0" smtClean="0"/>
+              <a:t>Reactor </a:t>
+            </a:r>
+            <a:r>
+              <a:rPr lang="en-US" dirty="0" smtClean="0"/>
+              <a:t>Programming</a:t>
+            </a:r>
+            <a:endParaRPr lang="en-US" dirty="0"/>
+          </a:p>
+        </p:txBody>
+      </p:sp>
+      <p:sp>
+        <p:nvSpPr>
+          <p:cNvPr id="3" name="Content Placeholder 2"/>
+          <p:cNvSpPr>
+            <a:spLocks noGrp="1"/>
+          </p:cNvSpPr>
+          <p:nvPr>
+            <p:ph idx="1"/>
+          </p:nvPr>
+        </p:nvSpPr>
+        <p:spPr/>
+        <p:txBody>
+          <a:bodyPr>
+            <a:normAutofit/>
+          </a:bodyPr>
+          <a:lstStyle/>
+          <a:p>
+            <a:r>
+              <a:rPr lang="en-GB" sz="1600" dirty="0" smtClean="0"/>
+              <a:t>Reactive Programming – is a </a:t>
+            </a:r>
+            <a:r>
+              <a:rPr lang="en-GB" sz="1600" dirty="0" smtClean="0"/>
+              <a:t>great technique for making individual components performant and efficient through asynchronous and non-blocking execution, </a:t>
+            </a:r>
+            <a:r>
+              <a:rPr lang="en-GB" sz="1600" dirty="0"/>
+              <a:t>most often together with a mechanism </a:t>
+            </a:r>
+            <a:r>
+              <a:rPr lang="en-GB" sz="1600" dirty="0" smtClean="0"/>
+              <a:t>for </a:t>
+            </a:r>
+            <a:r>
+              <a:rPr lang="en-GB" sz="1600" b="1" dirty="0" smtClean="0">
+                <a:solidFill>
+                  <a:srgbClr val="FF0000"/>
+                </a:solidFill>
+              </a:rPr>
+              <a:t>backpressure</a:t>
+            </a:r>
+          </a:p>
+          <a:p>
+            <a:r>
+              <a:rPr lang="en-GB" sz="1600" dirty="0"/>
+              <a:t>Dealing with possibly infinite streams is very challenging, as we need to face a problem of a </a:t>
+            </a:r>
+            <a:r>
+              <a:rPr lang="en-GB" sz="1600" dirty="0" smtClean="0"/>
+              <a:t>backpressure. </a:t>
+            </a:r>
+            <a:r>
+              <a:rPr lang="en-GB" sz="1600" dirty="0"/>
+              <a:t>It’s not difficult to get into a situation in which an </a:t>
+            </a:r>
+            <a:r>
+              <a:rPr lang="en-GB" sz="1600" i="1" dirty="0"/>
+              <a:t>Observable</a:t>
+            </a:r>
+            <a:r>
+              <a:rPr lang="en-GB" sz="1600" dirty="0"/>
+              <a:t> is emitting items more rapidly than a subscriber can consume them. We will look at the different solutions to the problem of growing buffer of unconsumed items.</a:t>
+            </a:r>
+            <a:endParaRPr lang="en-GB" sz="1600" dirty="0">
+              <a:solidFill>
+                <a:srgbClr val="FF0000"/>
+              </a:solidFill>
+            </a:endParaRPr>
+          </a:p>
+        </p:txBody>
+      </p:sp>
+    </p:spTree>
+    <p:extLst>
+      <p:ext uri="{BB962C8B-B14F-4D97-AF65-F5344CB8AC3E}">
+        <p14:creationId xmlns:p14="http://schemas.microsoft.com/office/powerpoint/2010/main" val="1866670642"/>
+      </p:ext>
+    </p:extLst>
+  </p:cSld>
+  <p:clrMapOvr>
+    <a:masterClrMapping/>
+  </p:clrMapOvr>
+  <p:timing>
+    <p:tnLst>
+      <p:par>
+        <p:cTn id="1" dur="indefinite" restart="never" nodeType="tmRoot"/>
+      </p:par>
+    </p:tnLst>
+  </p:timing>
+</p:sld>
+</file>
+
+<file path=ppt/slides/slide5.xml><?xml version="1.0" encoding="utf-8"?>
+<p:sld xmlns:a="http://schemas.openxmlformats.org/drawingml/2006/main" xmlns:r="http://schemas.openxmlformats.org/officeDocument/2006/relationships" xmlns:p="http://schemas.openxmlformats.org/presentationml/2006/main">
+  <p:cSld>
+    <p:spTree>
+      <p:nvGrpSpPr>
+        <p:cNvPr id="1" name=""/>
+        <p:cNvGrpSpPr/>
+        <p:nvPr/>
+      </p:nvGrpSpPr>
+      <p:grpSpPr>
+        <a:xfrm>
+          <a:off x="0" y="0"/>
+          <a:ext cx="0" cy="0"/>
+          <a:chOff x="0" y="0"/>
+          <a:chExt cx="0" cy="0"/>
+        </a:xfrm>
+      </p:grpSpPr>
+      <p:sp>
+        <p:nvSpPr>
+          <p:cNvPr id="2" name="Title 1"/>
+          <p:cNvSpPr>
+            <a:spLocks noGrp="1"/>
+          </p:cNvSpPr>
+          <p:nvPr>
+            <p:ph type="title"/>
+          </p:nvPr>
+        </p:nvSpPr>
+        <p:spPr/>
+        <p:txBody>
+          <a:bodyPr/>
+          <a:lstStyle/>
+          <a:p>
+            <a:r>
+              <a:rPr lang="en-US" dirty="0" smtClean="0"/>
+              <a:t>Cold Vs Hot observable</a:t>
+            </a:r>
+            <a:endParaRPr lang="en-US" dirty="0"/>
+          </a:p>
+        </p:txBody>
+      </p:sp>
+      <p:graphicFrame>
+        <p:nvGraphicFramePr>
+          <p:cNvPr id="4" name="Content Placeholder 3"/>
+          <p:cNvGraphicFramePr>
+            <a:graphicFrameLocks noGrp="1"/>
+          </p:cNvGraphicFramePr>
+          <p:nvPr>
+            <p:ph idx="1"/>
+            <p:extLst>
+              <p:ext uri="{D42A27DB-BD31-4B8C-83A1-F6EECF244321}">
+                <p14:modId xmlns:p14="http://schemas.microsoft.com/office/powerpoint/2010/main" val="949023868"/>
+              </p:ext>
+            </p:extLst>
+          </p:nvPr>
+        </p:nvGraphicFramePr>
+        <p:xfrm>
+          <a:off x="457200" y="1600200"/>
+          <a:ext cx="8229600" cy="4394200"/>
+        </p:xfrm>
+        <a:graphic>
+          <a:graphicData uri="http://schemas.openxmlformats.org/drawingml/2006/table">
+            <a:tbl>
+              <a:tblPr firstRow="1" bandRow="1">
+                <a:tableStyleId>{5C22544A-7EE6-4342-B048-85BDC9FD1C3A}</a:tableStyleId>
+              </a:tblPr>
+              <a:tblGrid>
+                <a:gridCol w="4114800"/>
+                <a:gridCol w="4114800"/>
+              </a:tblGrid>
+              <a:tr h="370840">
+                <a:tc>
+                  <a:txBody>
+                    <a:bodyPr/>
+                    <a:lstStyle/>
+                    <a:p>
+                      <a:r>
+                        <a:rPr lang="en-GB" dirty="0" smtClean="0">
+                          <a:solidFill>
+                            <a:sysClr val="windowText" lastClr="000000"/>
+                          </a:solidFill>
+                        </a:rPr>
+                        <a:t>Cold Observable</a:t>
+                      </a:r>
+                      <a:endParaRPr lang="en-GB" dirty="0">
+                        <a:solidFill>
+                          <a:sysClr val="windowText" lastClr="000000"/>
+                        </a:solidFill>
+                      </a:endParaRPr>
+                    </a:p>
+                  </a:txBody>
+                  <a:tcPr>
+                    <a:lnL w="12700" cap="flat" cmpd="sng" algn="ctr">
+                      <a:solidFill>
+                        <a:schemeClr val="tx1"/>
+                      </a:solidFill>
+                      <a:prstDash val="solid"/>
+                      <a:round/>
+                      <a:headEnd type="none" w="med" len="med"/>
+                      <a:tailEnd type="none" w="med" len="med"/>
+                    </a:lnL>
+                    <a:lnR w="12700" cap="flat" cmpd="sng" algn="ctr">
+                      <a:solidFill>
+                        <a:schemeClr val="tx1"/>
+                      </a:solidFill>
+                      <a:prstDash val="solid"/>
+                      <a:round/>
+                      <a:headEnd type="none" w="med" len="med"/>
+                      <a:tailEnd type="none" w="med" len="med"/>
+                    </a:lnR>
+                    <a:lnT w="12700" cap="flat" cmpd="sng" algn="ctr">
+                      <a:solidFill>
+                        <a:schemeClr val="tx1"/>
+                      </a:solidFill>
+                      <a:prstDash val="solid"/>
+                      <a:round/>
+                      <a:headEnd type="none" w="med" len="med"/>
+                      <a:tailEnd type="none" w="med" len="med"/>
+                    </a:lnT>
+                    <a:lnB w="12700" cap="flat" cmpd="sng" algn="ctr">
+                      <a:solidFill>
+                        <a:schemeClr val="tx1"/>
+                      </a:solidFill>
+                      <a:prstDash val="solid"/>
+                      <a:round/>
+                      <a:headEnd type="none" w="med" len="med"/>
+                      <a:tailEnd type="none" w="med" len="med"/>
+                    </a:lnB>
+                    <a:lnTlToBr w="12700" cmpd="sng">
+                      <a:noFill/>
+                      <a:prstDash val="solid"/>
+                    </a:lnTlToBr>
+                    <a:lnBlToTr w="12700" cmpd="sng">
+                      <a:noFill/>
+                      <a:prstDash val="solid"/>
+                    </a:lnBlToTr>
+                  </a:tcPr>
+                </a:tc>
+                <a:tc>
+                  <a:txBody>
+                    <a:bodyPr/>
+                    <a:lstStyle/>
+                    <a:p>
+                      <a:r>
+                        <a:rPr lang="en-GB" dirty="0" smtClean="0">
+                          <a:solidFill>
+                            <a:sysClr val="windowText" lastClr="000000"/>
+                          </a:solidFill>
+                        </a:rPr>
+                        <a:t>Hot</a:t>
+                      </a:r>
+                      <a:r>
+                        <a:rPr lang="en-GB" baseline="0" dirty="0" smtClean="0">
+                          <a:solidFill>
+                            <a:sysClr val="windowText" lastClr="000000"/>
+                          </a:solidFill>
+                        </a:rPr>
+                        <a:t> Observable</a:t>
+                      </a:r>
+                      <a:endParaRPr lang="en-GB" dirty="0">
+                        <a:solidFill>
+                          <a:sysClr val="windowText" lastClr="000000"/>
+                        </a:solidFill>
+                      </a:endParaRPr>
+                    </a:p>
+                  </a:txBody>
+                  <a:tcPr>
+                    <a:lnL w="12700" cap="flat" cmpd="sng" algn="ctr">
+                      <a:solidFill>
+                        <a:schemeClr val="tx1"/>
+                      </a:solidFill>
+                      <a:prstDash val="solid"/>
+                      <a:round/>
+                      <a:headEnd type="none" w="med" len="med"/>
+                      <a:tailEnd type="none" w="med" len="med"/>
+                    </a:lnL>
+                    <a:lnR w="12700" cap="flat" cmpd="sng" algn="ctr">
+                      <a:solidFill>
+                        <a:schemeClr val="tx1"/>
+                      </a:solidFill>
+                      <a:prstDash val="solid"/>
+                      <a:round/>
+                      <a:headEnd type="none" w="med" len="med"/>
+                      <a:tailEnd type="none" w="med" len="med"/>
+                    </a:lnR>
+                    <a:lnT w="12700" cap="flat" cmpd="sng" algn="ctr">
+                      <a:solidFill>
+                        <a:schemeClr val="tx1"/>
+                      </a:solidFill>
+                      <a:prstDash val="solid"/>
+                      <a:round/>
+                      <a:headEnd type="none" w="med" len="med"/>
+                      <a:tailEnd type="none" w="med" len="med"/>
+                    </a:lnT>
+                    <a:lnB w="12700" cap="flat" cmpd="sng" algn="ctr">
+                      <a:solidFill>
+                        <a:schemeClr val="tx1"/>
+                      </a:solidFill>
+                      <a:prstDash val="solid"/>
+                      <a:round/>
+                      <a:headEnd type="none" w="med" len="med"/>
+                      <a:tailEnd type="none" w="med" len="med"/>
+                    </a:lnB>
+                    <a:lnTlToBr w="12700" cmpd="sng">
+                      <a:noFill/>
+                      <a:prstDash val="solid"/>
+                    </a:lnTlToBr>
+                    <a:lnBlToTr w="12700" cmpd="sng">
+                      <a:noFill/>
+                      <a:prstDash val="solid"/>
+                    </a:lnBlToTr>
+                  </a:tcPr>
+                </a:tc>
+              </a:tr>
+              <a:tr h="370840">
+                <a:tc>
+                  <a:txBody>
+                    <a:bodyPr/>
+                    <a:lstStyle/>
+                    <a:p>
+                      <a:r>
+                        <a:rPr lang="en-GB" sz="1800" b="0" i="0" kern="1200" dirty="0" smtClean="0">
+                          <a:solidFill>
+                            <a:schemeClr val="dk1"/>
+                          </a:solidFill>
+                          <a:effectLst/>
+                          <a:latin typeface="+mn-lt"/>
+                          <a:ea typeface="+mn-ea"/>
+                          <a:cs typeface="+mn-cs"/>
+                        </a:rPr>
+                        <a:t>Cold </a:t>
+                      </a:r>
+                      <a:r>
+                        <a:rPr lang="en-GB" sz="1800" b="0" i="1" kern="1200" dirty="0" smtClean="0">
+                          <a:solidFill>
+                            <a:schemeClr val="dk1"/>
+                          </a:solidFill>
+                          <a:effectLst/>
+                          <a:latin typeface="+mn-lt"/>
+                          <a:ea typeface="+mn-ea"/>
+                          <a:cs typeface="+mn-cs"/>
+                        </a:rPr>
+                        <a:t>Observable</a:t>
+                      </a:r>
+                      <a:r>
+                        <a:rPr lang="en-GB" sz="1800" b="0" i="0" kern="1200" dirty="0" smtClean="0">
+                          <a:solidFill>
+                            <a:schemeClr val="dk1"/>
+                          </a:solidFill>
+                          <a:effectLst/>
+                          <a:latin typeface="+mn-lt"/>
+                          <a:ea typeface="+mn-ea"/>
+                          <a:cs typeface="+mn-cs"/>
+                        </a:rPr>
+                        <a:t> is providing items in a </a:t>
+                      </a:r>
+                      <a:r>
+                        <a:rPr lang="en-GB" sz="1800" b="0" i="0" kern="1200" dirty="0" smtClean="0">
+                          <a:solidFill>
+                            <a:srgbClr val="FF0000"/>
+                          </a:solidFill>
+                          <a:effectLst/>
+                          <a:latin typeface="+mn-lt"/>
+                          <a:ea typeface="+mn-ea"/>
+                          <a:cs typeface="+mn-cs"/>
+                        </a:rPr>
+                        <a:t>lazy way</a:t>
+                      </a:r>
+                      <a:r>
+                        <a:rPr lang="en-GB" sz="1800" b="0" i="0" kern="1200" baseline="0" dirty="0" smtClean="0">
+                          <a:solidFill>
+                            <a:schemeClr val="dk1"/>
+                          </a:solidFill>
+                          <a:effectLst/>
+                          <a:latin typeface="+mn-lt"/>
+                          <a:ea typeface="+mn-ea"/>
+                          <a:cs typeface="+mn-cs"/>
+                        </a:rPr>
+                        <a:t> (i.e. only when the subscriber is ready to consume)</a:t>
+                      </a:r>
+                      <a:endParaRPr lang="en-GB" b="0" dirty="0">
+                        <a:solidFill>
+                          <a:sysClr val="windowText" lastClr="000000"/>
+                        </a:solidFill>
+                      </a:endParaRPr>
+                    </a:p>
+                  </a:txBody>
+                  <a:tcPr>
+                    <a:lnL w="12700" cap="flat" cmpd="sng" algn="ctr">
+                      <a:solidFill>
+                        <a:schemeClr val="tx1"/>
+                      </a:solidFill>
+                      <a:prstDash val="solid"/>
+                      <a:round/>
+                      <a:headEnd type="none" w="med" len="med"/>
+                      <a:tailEnd type="none" w="med" len="med"/>
+                    </a:lnL>
+                    <a:lnR w="12700" cap="flat" cmpd="sng" algn="ctr">
+                      <a:solidFill>
+                        <a:schemeClr val="tx1"/>
+                      </a:solidFill>
+                      <a:prstDash val="solid"/>
+                      <a:round/>
+                      <a:headEnd type="none" w="med" len="med"/>
+                      <a:tailEnd type="none" w="med" len="med"/>
+                    </a:lnR>
+                    <a:lnT w="12700" cap="flat" cmpd="sng" algn="ctr">
+                      <a:solidFill>
+                        <a:schemeClr val="tx1"/>
+                      </a:solidFill>
+                      <a:prstDash val="solid"/>
+                      <a:round/>
+                      <a:headEnd type="none" w="med" len="med"/>
+                      <a:tailEnd type="none" w="med" len="med"/>
+                    </a:lnT>
+                    <a:lnB w="12700" cap="flat" cmpd="sng" algn="ctr">
+                      <a:solidFill>
+                        <a:schemeClr val="tx1"/>
+                      </a:solidFill>
+                      <a:prstDash val="solid"/>
+                      <a:round/>
+                      <a:headEnd type="none" w="med" len="med"/>
+                      <a:tailEnd type="none" w="med" len="med"/>
+                    </a:lnB>
+                    <a:lnTlToBr w="12700" cmpd="sng">
+                      <a:noFill/>
+                      <a:prstDash val="solid"/>
+                    </a:lnTlToBr>
+                    <a:lnBlToTr w="12700" cmpd="sng">
+                      <a:noFill/>
+                      <a:prstDash val="solid"/>
+                    </a:lnBlToTr>
+                  </a:tcPr>
+                </a:tc>
+                <a:tc>
+                  <a:txBody>
+                    <a:bodyPr/>
+                    <a:lstStyle/>
+                    <a:p>
+                      <a:r>
+                        <a:rPr lang="en-GB" sz="1800" b="0" i="0" kern="1200" dirty="0" smtClean="0">
+                          <a:solidFill>
+                            <a:schemeClr val="dk1"/>
+                          </a:solidFill>
+                          <a:effectLst/>
+                          <a:latin typeface="+mn-lt"/>
+                          <a:ea typeface="+mn-ea"/>
+                          <a:cs typeface="+mn-cs"/>
+                        </a:rPr>
+                        <a:t>Hot </a:t>
+                      </a:r>
+                      <a:r>
+                        <a:rPr lang="en-GB" sz="1800" b="0" i="1" kern="1200" dirty="0" smtClean="0">
+                          <a:solidFill>
+                            <a:schemeClr val="dk1"/>
+                          </a:solidFill>
+                          <a:effectLst/>
+                          <a:latin typeface="+mn-lt"/>
+                          <a:ea typeface="+mn-ea"/>
+                          <a:cs typeface="+mn-cs"/>
+                        </a:rPr>
+                        <a:t>Observable</a:t>
+                      </a:r>
+                      <a:r>
+                        <a:rPr lang="en-GB" sz="1800" b="0" i="0" kern="1200" dirty="0" smtClean="0">
+                          <a:solidFill>
+                            <a:schemeClr val="dk1"/>
+                          </a:solidFill>
+                          <a:effectLst/>
+                          <a:latin typeface="+mn-lt"/>
+                          <a:ea typeface="+mn-ea"/>
+                          <a:cs typeface="+mn-cs"/>
+                        </a:rPr>
+                        <a:t> emits items at its </a:t>
+                      </a:r>
+                      <a:r>
+                        <a:rPr lang="en-GB" sz="1800" b="0" i="0" kern="1200" dirty="0" smtClean="0">
+                          <a:solidFill>
+                            <a:srgbClr val="FF0000"/>
+                          </a:solidFill>
+                          <a:effectLst/>
+                          <a:latin typeface="+mn-lt"/>
+                          <a:ea typeface="+mn-ea"/>
+                          <a:cs typeface="+mn-cs"/>
+                        </a:rPr>
+                        <a:t>own pace</a:t>
+                      </a:r>
+                      <a:r>
+                        <a:rPr lang="en-GB" sz="1800" b="0" i="0" kern="1200" dirty="0" smtClean="0">
+                          <a:solidFill>
+                            <a:schemeClr val="dk1"/>
+                          </a:solidFill>
+                          <a:effectLst/>
+                          <a:latin typeface="+mn-lt"/>
+                          <a:ea typeface="+mn-ea"/>
+                          <a:cs typeface="+mn-cs"/>
+                        </a:rPr>
+                        <a:t>, and it is up to its observers to keep up</a:t>
+                      </a:r>
+                    </a:p>
+                    <a:p>
+                      <a:endParaRPr lang="en-GB" sz="1800" b="0" i="0" kern="1200" dirty="0" smtClean="0">
+                        <a:solidFill>
+                          <a:schemeClr val="dk1"/>
+                        </a:solidFill>
+                        <a:effectLst/>
+                        <a:latin typeface="+mn-lt"/>
+                        <a:ea typeface="+mn-ea"/>
+                        <a:cs typeface="+mn-cs"/>
+                      </a:endParaRPr>
+                    </a:p>
+                    <a:p>
+                      <a:r>
+                        <a:rPr lang="en-GB" sz="1800" b="0" i="0" kern="1200" dirty="0" smtClean="0">
+                          <a:solidFill>
+                            <a:schemeClr val="dk1"/>
+                          </a:solidFill>
+                          <a:effectLst/>
+                          <a:latin typeface="+mn-lt"/>
+                          <a:ea typeface="+mn-ea"/>
+                          <a:cs typeface="+mn-cs"/>
+                        </a:rPr>
+                        <a:t>When the </a:t>
+                      </a:r>
+                      <a:r>
+                        <a:rPr lang="en-GB" sz="1800" b="0" i="1" kern="1200" dirty="0" smtClean="0">
+                          <a:solidFill>
+                            <a:schemeClr val="dk1"/>
+                          </a:solidFill>
+                          <a:effectLst/>
+                          <a:latin typeface="+mn-lt"/>
+                          <a:ea typeface="+mn-ea"/>
+                          <a:cs typeface="+mn-cs"/>
+                        </a:rPr>
+                        <a:t>Observer </a:t>
+                      </a:r>
+                      <a:r>
+                        <a:rPr lang="en-GB" sz="1800" b="0" i="0" kern="1200" dirty="0" smtClean="0">
+                          <a:solidFill>
+                            <a:schemeClr val="dk1"/>
+                          </a:solidFill>
+                          <a:effectLst/>
+                          <a:latin typeface="+mn-lt"/>
+                          <a:ea typeface="+mn-ea"/>
+                          <a:cs typeface="+mn-cs"/>
+                        </a:rPr>
+                        <a:t>is not able to consume items as quickly as they are produced by an </a:t>
+                      </a:r>
+                      <a:r>
+                        <a:rPr lang="en-GB" sz="1800" b="0" i="1" kern="1200" dirty="0" smtClean="0">
+                          <a:solidFill>
+                            <a:schemeClr val="dk1"/>
+                          </a:solidFill>
+                          <a:effectLst/>
+                          <a:latin typeface="+mn-lt"/>
+                          <a:ea typeface="+mn-ea"/>
+                          <a:cs typeface="+mn-cs"/>
+                        </a:rPr>
+                        <a:t>Observable</a:t>
+                      </a:r>
+                      <a:r>
+                        <a:rPr lang="en-GB" sz="1800" b="0" i="0" kern="1200" dirty="0" smtClean="0">
+                          <a:solidFill>
+                            <a:schemeClr val="dk1"/>
+                          </a:solidFill>
+                          <a:effectLst/>
+                          <a:latin typeface="+mn-lt"/>
+                          <a:ea typeface="+mn-ea"/>
+                          <a:cs typeface="+mn-cs"/>
+                        </a:rPr>
+                        <a:t> they need to be buffered or handled in some other way, as they will fill up the memory, finally causing </a:t>
+                      </a:r>
+                      <a:r>
+                        <a:rPr lang="en-GB" sz="1800" b="0" i="1" kern="1200" dirty="0" err="1" smtClean="0">
+                          <a:solidFill>
+                            <a:srgbClr val="FF0000"/>
+                          </a:solidFill>
+                          <a:effectLst/>
+                          <a:latin typeface="+mn-lt"/>
+                          <a:ea typeface="+mn-ea"/>
+                          <a:cs typeface="+mn-cs"/>
+                        </a:rPr>
+                        <a:t>OutOfMemoryException</a:t>
+                      </a:r>
+                      <a:r>
+                        <a:rPr lang="en-GB" sz="1800" b="0" i="1" kern="1200" dirty="0" smtClean="0">
+                          <a:solidFill>
+                            <a:schemeClr val="dk1"/>
+                          </a:solidFill>
+                          <a:effectLst/>
+                          <a:latin typeface="+mn-lt"/>
+                          <a:ea typeface="+mn-ea"/>
+                          <a:cs typeface="+mn-cs"/>
+                        </a:rPr>
+                        <a:t>.</a:t>
+                      </a:r>
+                      <a:endParaRPr lang="en-GB" b="0" dirty="0">
+                        <a:solidFill>
+                          <a:sysClr val="windowText" lastClr="000000"/>
+                        </a:solidFill>
+                      </a:endParaRPr>
+                    </a:p>
+                  </a:txBody>
+                  <a:tcPr>
+                    <a:lnL w="12700" cap="flat" cmpd="sng" algn="ctr">
+                      <a:solidFill>
+                        <a:schemeClr val="tx1"/>
+                      </a:solidFill>
+                      <a:prstDash val="solid"/>
+                      <a:round/>
+                      <a:headEnd type="none" w="med" len="med"/>
+                      <a:tailEnd type="none" w="med" len="med"/>
+                    </a:lnL>
+                    <a:lnR w="12700" cap="flat" cmpd="sng" algn="ctr">
+                      <a:solidFill>
+                        <a:schemeClr val="tx1"/>
+                      </a:solidFill>
+                      <a:prstDash val="solid"/>
+                      <a:round/>
+                      <a:headEnd type="none" w="med" len="med"/>
+                      <a:tailEnd type="none" w="med" len="med"/>
+                    </a:lnR>
+                    <a:lnT w="12700" cap="flat" cmpd="sng" algn="ctr">
+                      <a:solidFill>
+                        <a:schemeClr val="tx1"/>
+                      </a:solidFill>
+                      <a:prstDash val="solid"/>
+                      <a:round/>
+                      <a:headEnd type="none" w="med" len="med"/>
+                      <a:tailEnd type="none" w="med" len="med"/>
+                    </a:lnT>
+                    <a:lnB w="12700" cap="flat" cmpd="sng" algn="ctr">
+                      <a:solidFill>
+                        <a:schemeClr val="tx1"/>
+                      </a:solidFill>
+                      <a:prstDash val="solid"/>
+                      <a:round/>
+                      <a:headEnd type="none" w="med" len="med"/>
+                      <a:tailEnd type="none" w="med" len="med"/>
+                    </a:lnB>
+                    <a:lnTlToBr w="12700" cmpd="sng">
+                      <a:noFill/>
+                      <a:prstDash val="solid"/>
+                    </a:lnTlToBr>
+                    <a:lnBlToTr w="12700" cmpd="sng">
+                      <a:noFill/>
+                      <a:prstDash val="solid"/>
+                    </a:lnBlToTr>
+                  </a:tcPr>
+                </a:tc>
+              </a:tr>
+              <a:tr h="370840">
+                <a:tc>
+                  <a:txBody>
+                    <a:bodyPr/>
+                    <a:lstStyle/>
+                    <a:p>
+                      <a:r>
+                        <a:rPr lang="en-GB" sz="1800" b="0" i="0" kern="1200" dirty="0" smtClean="0">
+                          <a:solidFill>
+                            <a:schemeClr val="dk1"/>
+                          </a:solidFill>
+                          <a:effectLst/>
+                          <a:latin typeface="+mn-lt"/>
+                          <a:ea typeface="+mn-ea"/>
+                          <a:cs typeface="+mn-cs"/>
+                        </a:rPr>
+                        <a:t>Cold </a:t>
+                      </a:r>
+                      <a:r>
+                        <a:rPr lang="en-GB" sz="1800" b="0" i="1" kern="1200" dirty="0" smtClean="0">
+                          <a:solidFill>
+                            <a:schemeClr val="dk1"/>
+                          </a:solidFill>
+                          <a:effectLst/>
+                          <a:latin typeface="+mn-lt"/>
+                          <a:ea typeface="+mn-ea"/>
+                          <a:cs typeface="+mn-cs"/>
+                        </a:rPr>
+                        <a:t>Observables</a:t>
+                      </a:r>
+                      <a:r>
+                        <a:rPr lang="en-GB" sz="1800" b="0" i="0" kern="1200" dirty="0" smtClean="0">
+                          <a:solidFill>
+                            <a:schemeClr val="dk1"/>
+                          </a:solidFill>
+                          <a:effectLst/>
+                          <a:latin typeface="+mn-lt"/>
+                          <a:ea typeface="+mn-ea"/>
+                          <a:cs typeface="+mn-cs"/>
+                        </a:rPr>
+                        <a:t> do not need to have any form of a backpressure because they work in a </a:t>
+                      </a:r>
+                      <a:r>
+                        <a:rPr lang="en-GB" sz="1800" b="0" i="0" kern="1200" dirty="0" smtClean="0">
+                          <a:solidFill>
+                            <a:srgbClr val="FF0000"/>
+                          </a:solidFill>
+                          <a:effectLst/>
+                          <a:latin typeface="+mn-lt"/>
+                          <a:ea typeface="+mn-ea"/>
+                          <a:cs typeface="+mn-cs"/>
+                        </a:rPr>
+                        <a:t>pull fashion</a:t>
+                      </a:r>
+                      <a:endParaRPr lang="en-GB" dirty="0">
+                        <a:solidFill>
+                          <a:srgbClr val="FF0000"/>
+                        </a:solidFill>
+                      </a:endParaRPr>
+                    </a:p>
+                  </a:txBody>
+                  <a:tcPr>
+                    <a:lnL w="12700" cap="flat" cmpd="sng" algn="ctr">
+                      <a:solidFill>
+                        <a:schemeClr val="tx1"/>
+                      </a:solidFill>
+                      <a:prstDash val="solid"/>
+                      <a:round/>
+                      <a:headEnd type="none" w="med" len="med"/>
+                      <a:tailEnd type="none" w="med" len="med"/>
+                    </a:lnL>
+                    <a:lnR w="12700" cap="flat" cmpd="sng" algn="ctr">
+                      <a:solidFill>
+                        <a:schemeClr val="tx1"/>
+                      </a:solidFill>
+                      <a:prstDash val="solid"/>
+                      <a:round/>
+                      <a:headEnd type="none" w="med" len="med"/>
+                      <a:tailEnd type="none" w="med" len="med"/>
+                    </a:lnR>
+                    <a:lnT w="12700" cap="flat" cmpd="sng" algn="ctr">
+                      <a:solidFill>
+                        <a:schemeClr val="tx1"/>
+                      </a:solidFill>
+                      <a:prstDash val="solid"/>
+                      <a:round/>
+                      <a:headEnd type="none" w="med" len="med"/>
+                      <a:tailEnd type="none" w="med" len="med"/>
+                    </a:lnT>
+                    <a:lnB w="12700" cap="flat" cmpd="sng" algn="ctr">
+                      <a:solidFill>
+                        <a:schemeClr val="tx1"/>
+                      </a:solidFill>
+                      <a:prstDash val="solid"/>
+                      <a:round/>
+                      <a:headEnd type="none" w="med" len="med"/>
+                      <a:tailEnd type="none" w="med" len="med"/>
+                    </a:lnB>
+                    <a:lnTlToBr w="12700" cmpd="sng">
+                      <a:noFill/>
+                      <a:prstDash val="solid"/>
+                    </a:lnTlToBr>
+                    <a:lnBlToTr w="12700" cmpd="sng">
+                      <a:noFill/>
+                      <a:prstDash val="solid"/>
+                    </a:lnBlToTr>
+                  </a:tcPr>
+                </a:tc>
+                <a:tc>
+                  <a:txBody>
+                    <a:bodyPr/>
+                    <a:lstStyle/>
+                    <a:p>
+                      <a:r>
+                        <a:rPr lang="en-GB" sz="1800" b="0" i="0" kern="1200" dirty="0" smtClean="0">
+                          <a:solidFill>
+                            <a:schemeClr val="dk1"/>
+                          </a:solidFill>
+                          <a:effectLst/>
+                          <a:latin typeface="+mn-lt"/>
+                          <a:ea typeface="+mn-ea"/>
+                          <a:cs typeface="+mn-cs"/>
+                        </a:rPr>
+                        <a:t>Temporary Fix – Increase the buffer size</a:t>
+                      </a:r>
+                      <a:endParaRPr lang="en-GB" sz="1800" b="0" i="0" kern="1200" dirty="0">
+                        <a:solidFill>
+                          <a:schemeClr val="dk1"/>
+                        </a:solidFill>
+                        <a:effectLst/>
+                        <a:latin typeface="+mn-lt"/>
+                        <a:ea typeface="+mn-ea"/>
+                        <a:cs typeface="+mn-cs"/>
+                      </a:endParaRPr>
+                    </a:p>
+                  </a:txBody>
+                  <a:tcPr>
+                    <a:lnL w="12700" cap="flat" cmpd="sng" algn="ctr">
+                      <a:solidFill>
+                        <a:schemeClr val="tx1"/>
+                      </a:solidFill>
+                      <a:prstDash val="solid"/>
+                      <a:round/>
+                      <a:headEnd type="none" w="med" len="med"/>
+                      <a:tailEnd type="none" w="med" len="med"/>
+                    </a:lnL>
+                    <a:lnR w="12700" cap="flat" cmpd="sng" algn="ctr">
+                      <a:solidFill>
+                        <a:schemeClr val="tx1"/>
+                      </a:solidFill>
+                      <a:prstDash val="solid"/>
+                      <a:round/>
+                      <a:headEnd type="none" w="med" len="med"/>
+                      <a:tailEnd type="none" w="med" len="med"/>
+                    </a:lnR>
+                    <a:lnT w="12700" cap="flat" cmpd="sng" algn="ctr">
+                      <a:solidFill>
+                        <a:schemeClr val="tx1"/>
+                      </a:solidFill>
+                      <a:prstDash val="solid"/>
+                      <a:round/>
+                      <a:headEnd type="none" w="med" len="med"/>
+                      <a:tailEnd type="none" w="med" len="med"/>
+                    </a:lnT>
+                    <a:lnB w="12700" cap="flat" cmpd="sng" algn="ctr">
+                      <a:solidFill>
+                        <a:schemeClr val="tx1"/>
+                      </a:solidFill>
+                      <a:prstDash val="solid"/>
+                      <a:round/>
+                      <a:headEnd type="none" w="med" len="med"/>
+                      <a:tailEnd type="none" w="med" len="med"/>
+                    </a:lnB>
+                    <a:lnTlToBr w="12700" cmpd="sng">
+                      <a:noFill/>
+                      <a:prstDash val="solid"/>
+                    </a:lnTlToBr>
+                    <a:lnBlToTr w="12700" cmpd="sng">
+                      <a:noFill/>
+                      <a:prstDash val="solid"/>
+                    </a:lnBlToTr>
+                  </a:tcPr>
+                </a:tc>
+              </a:tr>
+            </a:tbl>
+          </a:graphicData>
+        </a:graphic>
+      </p:graphicFrame>
+    </p:spTree>
+    <p:extLst>
+      <p:ext uri="{BB962C8B-B14F-4D97-AF65-F5344CB8AC3E}">
+        <p14:creationId xmlns:p14="http://schemas.microsoft.com/office/powerpoint/2010/main" val="1012865755"/>
+      </p:ext>
+    </p:extLst>
+  </p:cSld>
+  <p:clrMapOvr>
+    <a:masterClrMapping/>
+  </p:clrMapOvr>
+  <p:timing>
+    <p:tnLst>
+      <p:par>
+        <p:cTn id="1" dur="indefinite" restart="never" nodeType="tmRoot"/>
+      </p:par>
+    </p:tnLst>
+  </p:timing>
+</p:sld>
+</file>
+
+<file path=ppt/slides/slide6.xml><?xml version="1.0" encoding="utf-8"?>
+<p:sld xmlns:a="http://schemas.openxmlformats.org/drawingml/2006/main" xmlns:r="http://schemas.openxmlformats.org/officeDocument/2006/relationships" xmlns:p="http://schemas.openxmlformats.org/presentationml/2006/main">
+  <p:cSld>
+    <p:spTree>
+      <p:nvGrpSpPr>
+        <p:cNvPr id="1" name=""/>
+        <p:cNvGrpSpPr/>
+        <p:nvPr/>
+      </p:nvGrpSpPr>
+      <p:grpSpPr>
+        <a:xfrm>
+          <a:off x="0" y="0"/>
+          <a:ext cx="0" cy="0"/>
+          <a:chOff x="0" y="0"/>
+          <a:chExt cx="0" cy="0"/>
+        </a:xfrm>
+      </p:grpSpPr>
+      <p:sp>
+        <p:nvSpPr>
+          <p:cNvPr id="2" name="Title 1"/>
+          <p:cNvSpPr>
+            <a:spLocks noGrp="1"/>
+          </p:cNvSpPr>
+          <p:nvPr>
+            <p:ph type="title"/>
+          </p:nvPr>
+        </p:nvSpPr>
+        <p:spPr/>
+        <p:txBody>
+          <a:bodyPr/>
+          <a:lstStyle/>
+          <a:p>
+            <a:r>
+              <a:rPr lang="en-US" dirty="0" smtClean="0"/>
+              <a:t>Four traits of reactive systems</a:t>
+            </a:r>
+            <a:endParaRPr lang="en-US" dirty="0"/>
+          </a:p>
+        </p:txBody>
+      </p:sp>
+      <p:pic>
+        <p:nvPicPr>
+          <p:cNvPr id="1026" name="Picture 2"/>
+          <p:cNvPicPr>
+            <a:picLocks noGrp="1" noChangeAspect="1" noChangeArrowheads="1"/>
+          </p:cNvPicPr>
+          <p:nvPr>
+            <p:ph idx="1"/>
+          </p:nvPr>
+        </p:nvPicPr>
+        <p:blipFill>
+          <a:blip r:embed="rId2">
+            <a:extLst>
+              <a:ext uri="{28A0092B-C50C-407E-A947-70E740481C1C}">
+                <a14:useLocalDpi xmlns:a14="http://schemas.microsoft.com/office/drawing/2010/main" val="0"/>
+              </a:ext>
+            </a:extLst>
+          </a:blip>
+          <a:srcRect/>
+          <a:stretch>
+            <a:fillRect/>
+          </a:stretch>
+        </p:blipFill>
+        <p:spPr bwMode="auto">
+          <a:xfrm>
+            <a:off x="971600" y="1700808"/>
+            <a:ext cx="5688632" cy="2049780"/>
+          </a:xfrm>
+          <a:prstGeom prst="rect">
+            <a:avLst/>
+          </a:prstGeom>
+          <a:noFill/>
+          <a:ln>
+            <a:noFill/>
+          </a:ln>
+          <a:extLst>
+            <a:ext uri="{909E8E84-426E-40DD-AFC4-6F175D3DCCD1}">
+              <a14:hiddenFill xmlns:a14="http://schemas.microsoft.com/office/drawing/2010/main">
+                <a:solidFill>
+                  <a:schemeClr val="accent1"/>
+                </a:solidFill>
+              </a14:hiddenFill>
+            </a:ext>
+            <a:ext uri="{91240B29-F687-4F45-9708-019B960494DF}">
+              <a14:hiddenLine xmlns:a14="http://schemas.microsoft.com/office/drawing/2010/main" w="9525">
+                <a:solidFill>
+                  <a:schemeClr val="tx1"/>
+                </a:solidFill>
+                <a:miter lim="800000"/>
+                <a:headEnd/>
+                <a:tailEnd/>
+              </a14:hiddenLine>
+            </a:ext>
+          </a:extLst>
+        </p:spPr>
+      </p:pic>
+    </p:spTree>
+    <p:extLst>
+      <p:ext uri="{BB962C8B-B14F-4D97-AF65-F5344CB8AC3E}">
+        <p14:creationId xmlns:p14="http://schemas.microsoft.com/office/powerpoint/2010/main" val="3853928524"/>
+      </p:ext>
+    </p:extLst>
+  </p:cSld>
+  <p:clrMapOvr>
+    <a:masterClrMapping/>
+  </p:clrMapOvr>
+  <p:timing>
+    <p:tnLst>
+      <p:par>
+        <p:cTn id="1" dur="indefinite" restart="never" nodeType="tmRoot"/>
+      </p:par>
+    </p:tnLst>
+  </p:timing>
+</p:sld>
+</file>
+
+<file path=ppt/slides/slide7.xml><?xml version="1.0" encoding="utf-8"?>
+<p:sld xmlns:a="http://schemas.openxmlformats.org/drawingml/2006/main" xmlns:r="http://schemas.openxmlformats.org/officeDocument/2006/relationships" xmlns:p="http://schemas.openxmlformats.org/presentationml/2006/main">
+  <p:cSld>
+    <p:spTree>
+      <p:nvGrpSpPr>
+        <p:cNvPr id="1" name=""/>
+        <p:cNvGrpSpPr/>
+        <p:nvPr/>
+      </p:nvGrpSpPr>
+      <p:grpSpPr>
+        <a:xfrm>
+          <a:off x="0" y="0"/>
+          <a:ext cx="0" cy="0"/>
+          <a:chOff x="0" y="0"/>
+          <a:chExt cx="0" cy="0"/>
+        </a:xfrm>
+      </p:grpSpPr>
+      <p:sp>
+        <p:nvSpPr>
+          <p:cNvPr id="2" name="Title 1"/>
+          <p:cNvSpPr>
+            <a:spLocks noGrp="1"/>
+          </p:cNvSpPr>
+          <p:nvPr>
+            <p:ph type="title"/>
+          </p:nvPr>
+        </p:nvSpPr>
+        <p:spPr/>
+        <p:txBody>
+          <a:bodyPr/>
+          <a:lstStyle/>
+          <a:p>
+            <a:r>
+              <a:rPr lang="en-US" dirty="0" smtClean="0"/>
               <a:t>References</a:t>
             </a:r>
             <a:endParaRPr lang="en-US" dirty="0"/>
@@ -3674,6 +4788,13 @@
                 <a:hlinkClick r:id="rId2"/>
               </a:rPr>
               <a:t>/</a:t>
+            </a:r>
+            <a:endParaRPr lang="en-US" sz="1600" dirty="0" smtClean="0"/>
+          </a:p>
+          <a:p>
+            <a:r>
+              <a:rPr lang="en-US" sz="1600" dirty="0"/>
+              <a:t>http://www.baeldung.com/rxjava-backpressure</a:t>
             </a:r>
             <a:endParaRPr lang="en-US" sz="1600" dirty="0" smtClean="0"/>
           </a:p>
